--- a/présentation.pptx
+++ b/présentation.pptx
@@ -147,6 +147,14 @@
     </p:ext>
   </p:extLst>
 </p:presentation>
+</file>
+
+<file path=ppt/revisionInfo.xml><?xml version="1.0" encoding="utf-8"?>
+<p1510:revInfo xmlns:a="http://schemas.openxmlformats.org/drawingml/2006/main" xmlns:r="http://schemas.openxmlformats.org/officeDocument/2006/relationships" xmlns:p1510="http://schemas.microsoft.com/office/powerpoint/2015/10/main">
+  <p1510:revLst>
+    <p1510:client id="{9580D2EA-1352-460E-86E2-27B75C4B094F}" v="1" dt="2024-06-17T16:32:16.074"/>
+  </p1510:revLst>
+</p1510:revInfo>
 </file>
 
 <file path=ppt/diagrams/colors1.xml><?xml version="1.0" encoding="utf-8"?>
@@ -10415,7 +10423,7 @@
           <a:p>
             <a:fld id="{3172BF4F-994D-4A36-8537-9DC4A72AB92C}" type="datetimeFigureOut">
               <a:rPr lang="fr-BE" smtClean="0"/>
-              <a:t>17-06-24</a:t>
+              <a:t>18-06-24</a:t>
             </a:fld>
             <a:endParaRPr lang="fr-BE"/>
           </a:p>
@@ -10593,7 +10601,7 @@
           <a:p>
             <a:fld id="{3BFE029D-2D3E-4332-974A-E08622204FA5}" type="datetimeFigureOut">
               <a:rPr lang="fr-BE" smtClean="0"/>
-              <a:t>17-06-24</a:t>
+              <a:t>18-06-24</a:t>
             </a:fld>
             <a:endParaRPr lang="fr-BE"/>
           </a:p>
@@ -10862,6 +10870,109 @@
 </p:notesMaster>
 </file>
 
+<file path=ppt/notesSlides/notesSlide1.xml><?xml version="1.0" encoding="utf-8"?>
+<p:notes xmlns:a="http://schemas.openxmlformats.org/drawingml/2006/main" xmlns:r="http://schemas.openxmlformats.org/officeDocument/2006/relationships" xmlns:p="http://schemas.openxmlformats.org/presentationml/2006/main">
+  <p:cSld>
+    <p:spTree>
+      <p:nvGrpSpPr>
+        <p:cNvPr id="1" name=""/>
+        <p:cNvGrpSpPr/>
+        <p:nvPr/>
+      </p:nvGrpSpPr>
+      <p:grpSpPr>
+        <a:xfrm>
+          <a:off x="0" y="0"/>
+          <a:ext cx="0" cy="0"/>
+          <a:chOff x="0" y="0"/>
+          <a:chExt cx="0" cy="0"/>
+        </a:xfrm>
+      </p:grpSpPr>
+      <p:sp>
+        <p:nvSpPr>
+          <p:cNvPr id="2" name="Slide Image Placeholder 1"/>
+          <p:cNvSpPr>
+            <a:spLocks noGrp="1" noRot="1" noChangeAspect="1"/>
+          </p:cNvSpPr>
+          <p:nvPr>
+            <p:ph type="sldImg"/>
+          </p:nvPr>
+        </p:nvSpPr>
+        <p:spPr/>
+      </p:sp>
+      <p:sp>
+        <p:nvSpPr>
+          <p:cNvPr id="3" name="Notes Placeholder 2"/>
+          <p:cNvSpPr>
+            <a:spLocks noGrp="1"/>
+          </p:cNvSpPr>
+          <p:nvPr>
+            <p:ph type="body" idx="1"/>
+          </p:nvPr>
+        </p:nvSpPr>
+        <p:spPr/>
+        <p:txBody>
+          <a:bodyPr/>
+          <a:lstStyle/>
+          <a:p>
+            <a:endParaRPr lang="en-US" dirty="0"/>
+          </a:p>
+        </p:txBody>
+      </p:sp>
+      <p:sp>
+        <p:nvSpPr>
+          <p:cNvPr id="4" name="Footer Placeholder 3"/>
+          <p:cNvSpPr>
+            <a:spLocks noGrp="1"/>
+          </p:cNvSpPr>
+          <p:nvPr>
+            <p:ph type="ftr" sz="quarter" idx="4"/>
+          </p:nvPr>
+        </p:nvSpPr>
+        <p:spPr/>
+        <p:txBody>
+          <a:bodyPr/>
+          <a:lstStyle/>
+          <a:p>
+            <a:endParaRPr lang="fr-BE"/>
+          </a:p>
+        </p:txBody>
+      </p:sp>
+      <p:sp>
+        <p:nvSpPr>
+          <p:cNvPr id="5" name="Slide Number Placeholder 4"/>
+          <p:cNvSpPr>
+            <a:spLocks noGrp="1"/>
+          </p:cNvSpPr>
+          <p:nvPr>
+            <p:ph type="sldNum" sz="quarter" idx="5"/>
+          </p:nvPr>
+        </p:nvSpPr>
+        <p:spPr/>
+        <p:txBody>
+          <a:bodyPr/>
+          <a:lstStyle/>
+          <a:p>
+            <a:fld id="{05F49510-7D51-4D31-9616-EC0E33405D2F}" type="slidenum">
+              <a:rPr lang="fr-BE" smtClean="0"/>
+              <a:t>15</a:t>
+            </a:fld>
+            <a:endParaRPr lang="fr-BE"/>
+          </a:p>
+        </p:txBody>
+      </p:sp>
+    </p:spTree>
+    <p:extLst>
+      <p:ext uri="{BB962C8B-B14F-4D97-AF65-F5344CB8AC3E}">
+        <p14:creationId xmlns:p14="http://schemas.microsoft.com/office/powerpoint/2010/main" val="3871032561"/>
+      </p:ext>
+    </p:extLst>
+  </p:cSld>
+  <p:clrMapOvr>
+    <a:masterClrMapping/>
+  </p:clrMapOvr>
+</p:notes>
+</file>
+
 <file path=ppt/slideLayouts/slideLayout1.xml><?xml version="1.0" encoding="utf-8"?>
 <p:sldLayout xmlns:a="http://schemas.openxmlformats.org/drawingml/2006/main" xmlns:r="http://schemas.openxmlformats.org/officeDocument/2006/relationships" xmlns:p="http://schemas.openxmlformats.org/presentationml/2006/main" showMasterSp="0" type="obj" preserve="1">
   <p:cSld name="Title Slide">
@@ -11013,7 +11124,7 @@
           <a:p>
             <a:fld id="{BC924A28-0400-40FD-99E0-BF3F6F94D3CB}" type="datetime1">
               <a:rPr lang="en-US" smtClean="0"/>
-              <a:t>6/17/2024</a:t>
+              <a:t>6/18/2024</a:t>
             </a:fld>
             <a:endParaRPr lang="en-US"/>
           </a:p>
@@ -11578,7 +11689,7 @@
           <a:p>
             <a:fld id="{995F2BEF-7C2E-4D44-B1D9-B1098ED810C7}" type="datetime1">
               <a:rPr lang="en-US" smtClean="0"/>
-              <a:t>6/17/2024</a:t>
+              <a:t>6/18/2024</a:t>
             </a:fld>
             <a:endParaRPr lang="en-US"/>
           </a:p>
@@ -11804,7 +11915,7 @@
           <a:p>
             <a:fld id="{D50BFF0A-06B3-4C29-9E2F-3C644EFD9355}" type="datetime1">
               <a:rPr lang="en-US" smtClean="0"/>
-              <a:t>6/17/2024</a:t>
+              <a:t>6/18/2024</a:t>
             </a:fld>
             <a:endParaRPr lang="en-US"/>
           </a:p>
@@ -11964,7 +12075,7 @@
           <a:p>
             <a:fld id="{4E4EFEE3-5649-434C-8E0C-6F8D2441B306}" type="datetime1">
               <a:rPr lang="en-US" smtClean="0"/>
-              <a:t>6/17/2024</a:t>
+              <a:t>6/18/2024</a:t>
             </a:fld>
             <a:endParaRPr lang="en-US"/>
           </a:p>
@@ -12095,7 +12206,7 @@
           <a:p>
             <a:fld id="{23197802-1F2D-49F3-A2A8-F11197B9ACB4}" type="datetime1">
               <a:rPr lang="en-US" smtClean="0"/>
-              <a:t>6/17/2024</a:t>
+              <a:t>6/18/2024</a:t>
             </a:fld>
             <a:endParaRPr lang="en-US"/>
           </a:p>
@@ -12724,7 +12835,7 @@
           <a:p>
             <a:fld id="{A3B3B2EA-1EB7-41B9-B7FD-23053BFFA27F}" type="datetime1">
               <a:rPr lang="en-US" smtClean="0"/>
-              <a:t>6/17/2024</a:t>
+              <a:t>6/18/2024</a:t>
             </a:fld>
             <a:endParaRPr lang="en-US"/>
           </a:p>
@@ -13907,7 +14018,7 @@
         <p:spPr>
           <a:xfrm>
             <a:off x="246697" y="472446"/>
-            <a:ext cx="4114800" cy="1200329"/>
+            <a:ext cx="4114800" cy="1015663"/>
           </a:xfrm>
           <a:prstGeom prst="rect">
             <a:avLst/>
@@ -13921,37 +14032,53 @@
           <a:lstStyle/>
           <a:p>
             <a:r>
-              <a:rPr lang="fr-BE" dirty="0"/>
+              <a:rPr lang="fr-BE" u="sng" dirty="0">
+                <a:solidFill>
+                  <a:srgbClr val="0070C0"/>
+                </a:solidFill>
+              </a:rPr>
               <a:t>LoRa (Long Range) :</a:t>
             </a:r>
           </a:p>
           <a:p>
             <a:pPr marL="285750" indent="-285750">
-              <a:buFont typeface="Arial" panose="020B0604020202020204" pitchFamily="34" charset="0"/>
-              <a:buChar char="•"/>
+              <a:buFont typeface="Wingdings" panose="05000000000000000000" pitchFamily="2" charset="2"/>
+              <a:buChar char="Ø"/>
             </a:pPr>
             <a:r>
-              <a:rPr lang="fr-BE" dirty="0"/>
+              <a:rPr lang="fr-BE" sz="1400" dirty="0"/>
               <a:t>Technologie LPWAN</a:t>
             </a:r>
           </a:p>
           <a:p>
             <a:pPr marL="285750" indent="-285750">
-              <a:buFont typeface="Arial" panose="020B0604020202020204" pitchFamily="34" charset="0"/>
-              <a:buChar char="•"/>
+              <a:buFont typeface="Wingdings" panose="05000000000000000000" pitchFamily="2" charset="2"/>
+              <a:buChar char="Ø"/>
             </a:pPr>
             <a:r>
-              <a:rPr lang="fr-BE" dirty="0"/>
-              <a:t>Opère sur la bande ISM</a:t>
+              <a:rPr lang="fr-BE" sz="1400" dirty="0"/>
+              <a:t>Opère sur la bande ISM (433-</a:t>
+            </a:r>
+            <a:r>
+              <a:rPr lang="fr-BE" sz="1400" dirty="0">
+                <a:solidFill>
+                  <a:srgbClr val="FF0000"/>
+                </a:solidFill>
+              </a:rPr>
+              <a:t>868</a:t>
+            </a:r>
+            <a:r>
+              <a:rPr lang="fr-BE" sz="1400" dirty="0"/>
+              <a:t> MHz)</a:t>
             </a:r>
           </a:p>
           <a:p>
             <a:pPr marL="285750" indent="-285750">
-              <a:buFont typeface="Arial" panose="020B0604020202020204" pitchFamily="34" charset="0"/>
-              <a:buChar char="•"/>
+              <a:buFont typeface="Wingdings" panose="05000000000000000000" pitchFamily="2" charset="2"/>
+              <a:buChar char="Ø"/>
             </a:pPr>
             <a:r>
-              <a:rPr lang="fr-BE" dirty="0"/>
+              <a:rPr lang="fr-BE" sz="1400" dirty="0"/>
               <a:t>Modulation FSCM</a:t>
             </a:r>
           </a:p>
@@ -14517,7 +14644,7 @@
             <p:spPr>
               <a:xfrm>
                 <a:off x="247650" y="402527"/>
-                <a:ext cx="3390887" cy="1615504"/>
+                <a:ext cx="3390887" cy="1447191"/>
               </a:xfrm>
               <a:prstGeom prst="rect">
                 <a:avLst/>
@@ -14531,31 +14658,35 @@
               <a:lstStyle/>
               <a:p>
                 <a:r>
-                  <a:rPr lang="fr-BE" dirty="0"/>
+                  <a:rPr lang="fr-BE" u="sng" dirty="0">
+                    <a:solidFill>
+                      <a:srgbClr val="0070C0"/>
+                    </a:solidFill>
+                  </a:rPr>
                   <a:t>Modulation LoRa:</a:t>
                 </a:r>
               </a:p>
               <a:p>
                 <a:pPr marL="285750" indent="-285750">
-                  <a:buFont typeface="Arial" panose="020B0604020202020204" pitchFamily="34" charset="0"/>
-                  <a:buChar char="•"/>
+                  <a:buFont typeface="Wingdings" panose="05000000000000000000" pitchFamily="2" charset="2"/>
+                  <a:buChar char="Ø"/>
                 </a:pPr>
                 <a:r>
-                  <a:rPr lang="fr-BE" sz="1600" dirty="0"/>
+                  <a:rPr lang="fr-BE" sz="1400" dirty="0"/>
                   <a:t>Mixe entre CSS et FSK</a:t>
                 </a:r>
               </a:p>
               <a:p>
                 <a:pPr marL="285750" indent="-285750">
-                  <a:buFont typeface="Arial" panose="020B0604020202020204" pitchFamily="34" charset="0"/>
-                  <a:buChar char="•"/>
+                  <a:buFont typeface="Wingdings" panose="05000000000000000000" pitchFamily="2" charset="2"/>
+                  <a:buChar char="Ø"/>
                 </a:pPr>
                 <a:r>
-                  <a:rPr lang="fr-BE" sz="1600" dirty="0"/>
+                  <a:rPr lang="fr-BE" sz="1400" dirty="0"/>
                   <a:t>Dépend de </a:t>
                 </a:r>
                 <a:r>
-                  <a:rPr lang="el-GR" sz="1600" i="0" dirty="0">
+                  <a:rPr lang="el-GR" sz="1400" i="0" dirty="0">
                     <a:solidFill>
                       <a:srgbClr val="202122"/>
                     </a:solidFill>
@@ -14568,7 +14699,7 @@
                   <a:t>β</a:t>
                 </a:r>
                 <a:r>
-                  <a:rPr lang="ja-JP" altLang="fr-FR" sz="1600" b="1" i="1" dirty="0">
+                  <a:rPr lang="ja-JP" altLang="fr-FR" sz="1400" b="1" i="1" dirty="0">
                     <a:solidFill>
                       <a:srgbClr val="202122"/>
                     </a:solidFill>
@@ -14581,7 +14712,7 @@
                   <a:t> </a:t>
                 </a:r>
                 <a:r>
-                  <a:rPr lang="fr-BE" altLang="ja-JP" sz="1600" dirty="0">
+                  <a:rPr lang="fr-BE" altLang="ja-JP" sz="1400" dirty="0">
                     <a:solidFill>
                       <a:srgbClr val="202122"/>
                     </a:solidFill>
@@ -14595,11 +14726,11 @@
               </a:p>
               <a:p>
                 <a:pPr marL="285750" indent="-285750">
-                  <a:buFont typeface="Arial" panose="020B0604020202020204" pitchFamily="34" charset="0"/>
-                  <a:buChar char="•"/>
+                  <a:buFont typeface="Wingdings" panose="05000000000000000000" pitchFamily="2" charset="2"/>
+                  <a:buChar char="Ø"/>
                 </a:pPr>
                 <a:r>
-                  <a:rPr lang="fr-BE" sz="1600" dirty="0">
+                  <a:rPr lang="fr-BE" sz="1400" dirty="0">
                     <a:solidFill>
                       <a:srgbClr val="202122"/>
                     </a:solidFill>
@@ -14614,7 +14745,7 @@
                     <m:sSup>
                       <m:sSupPr>
                         <m:ctrlPr>
-                          <a:rPr lang="fr-BE" sz="1600" i="1" smtClean="0">
+                          <a:rPr lang="fr-BE" sz="1400" i="1" smtClean="0">
                             <a:solidFill>
                               <a:srgbClr val="202122"/>
                             </a:solidFill>
@@ -14627,7 +14758,7 @@
                       </m:sSupPr>
                       <m:e>
                         <m:r>
-                          <a:rPr lang="fr-BE" sz="1600" b="0" i="1" smtClean="0">
+                          <a:rPr lang="fr-BE" sz="1400" b="0" i="1" smtClean="0">
                             <a:solidFill>
                               <a:srgbClr val="202122"/>
                             </a:solidFill>
@@ -14641,7 +14772,7 @@
                       </m:e>
                       <m:sup>
                         <m:r>
-                          <a:rPr lang="fr-BE" sz="1600" b="0" i="1" smtClean="0">
+                          <a:rPr lang="fr-BE" sz="1400" b="0" i="1" smtClean="0">
                             <a:solidFill>
                               <a:srgbClr val="202122"/>
                             </a:solidFill>
@@ -14657,17 +14788,17 @@
                   </m:oMath>
                 </a14:m>
                 <a:r>
-                  <a:rPr lang="fr-BE" sz="1600" dirty="0"/>
+                  <a:rPr lang="fr-BE" sz="1400" dirty="0"/>
                   <a:t>symboles</a:t>
                 </a:r>
               </a:p>
               <a:p>
                 <a:pPr marL="285750" indent="-285750">
-                  <a:buFont typeface="Arial" panose="020B0604020202020204" pitchFamily="34" charset="0"/>
-                  <a:buChar char="•"/>
+                  <a:buFont typeface="Wingdings" panose="05000000000000000000" pitchFamily="2" charset="2"/>
+                  <a:buChar char="Ø"/>
                 </a:pPr>
                 <a:r>
-                  <a:rPr lang="fr-BE" sz="1600" dirty="0"/>
+                  <a:rPr lang="fr-BE" sz="1400" dirty="0"/>
                   <a:t>Représentation fréquentielle sous forme de chirps</a:t>
                 </a:r>
               </a:p>
@@ -14692,7 +14823,7 @@
             <p:spPr>
               <a:xfrm>
                 <a:off x="247650" y="402527"/>
-                <a:ext cx="3390887" cy="1615504"/>
+                <a:ext cx="3390887" cy="1447191"/>
               </a:xfrm>
               <a:prstGeom prst="rect">
                 <a:avLst/>
@@ -14700,7 +14831,7 @@
               <a:blipFill>
                 <a:blip r:embed="rId4"/>
                 <a:stretch>
-                  <a:fillRect l="-1619" t="-1887" b="-3019"/>
+                  <a:fillRect l="-1619" t="-2110" b="-3797"/>
                 </a:stretch>
               </a:blipFill>
             </p:spPr>
@@ -15250,7 +15381,7 @@
         <p:spPr>
           <a:xfrm>
             <a:off x="95250" y="472446"/>
-            <a:ext cx="4419599" cy="1200329"/>
+            <a:ext cx="4490772" cy="1415772"/>
           </a:xfrm>
           <a:prstGeom prst="rect">
             <a:avLst/>
@@ -15264,28 +15395,70 @@
           <a:lstStyle/>
           <a:p>
             <a:r>
-              <a:rPr lang="fr-BE" dirty="0"/>
-              <a:t>Radio Frequency Fingerprinting Identification</a:t>
+              <a:rPr lang="fr-BE" sz="1600" u="sng" dirty="0">
+                <a:solidFill>
+                  <a:srgbClr val="0070C0"/>
+                </a:solidFill>
+              </a:rPr>
+              <a:t>Radio Frequency Fingerprinting Identification (RFFI)</a:t>
             </a:r>
           </a:p>
           <a:p>
             <a:pPr marL="285750" indent="-285750">
+              <a:buFont typeface="Wingdings" panose="05000000000000000000" pitchFamily="2" charset="2"/>
+              <a:buChar char="Ø"/>
+            </a:pPr>
+            <a:r>
+              <a:rPr lang="fr-BE" sz="1400" dirty="0"/>
+              <a:t>Différentes techniques</a:t>
+            </a:r>
+          </a:p>
+          <a:p>
+            <a:pPr marL="285750" indent="-285750">
+              <a:buFont typeface="Wingdings" panose="05000000000000000000" pitchFamily="2" charset="2"/>
+              <a:buChar char="Ø"/>
+            </a:pPr>
+            <a:r>
+              <a:rPr lang="fr-BE" sz="1400" dirty="0"/>
+              <a:t>Propriétés physiques des signaux RF</a:t>
+            </a:r>
+          </a:p>
+          <a:p>
+            <a:pPr marL="742950" lvl="1" indent="-285750">
               <a:buFont typeface="Arial" panose="020B0604020202020204" pitchFamily="34" charset="0"/>
               <a:buChar char="•"/>
             </a:pPr>
             <a:r>
-              <a:rPr lang="fr-BE" dirty="0"/>
-              <a:t>Différentes approches</a:t>
+              <a:rPr lang="fr-BE" sz="1200" i="1" dirty="0">
+                <a:solidFill>
+                  <a:srgbClr val="FF0000"/>
+                </a:solidFill>
+              </a:rPr>
+              <a:t>En particulier, les offsets de fréquences entre les différents émetteurs et le r</a:t>
             </a:r>
-          </a:p>
-          <a:p>
-            <a:pPr marL="285750" indent="-285750">
-              <a:buFont typeface="Arial" panose="020B0604020202020204" pitchFamily="34" charset="0"/>
-              <a:buChar char="•"/>
-            </a:pPr>
             <a:r>
-              <a:rPr lang="fr-BE" dirty="0"/>
-              <a:t>Propriétés physiques des signaux</a:t>
+              <a:rPr lang="fr-FR" sz="1200" i="1" dirty="0">
+                <a:solidFill>
+                  <a:srgbClr val="FF0000"/>
+                </a:solidFill>
+              </a:rPr>
+              <a:t>é</a:t>
+            </a:r>
+            <a:r>
+              <a:rPr lang="fr-BE" sz="1200" i="1" dirty="0" err="1">
+                <a:solidFill>
+                  <a:srgbClr val="FF0000"/>
+                </a:solidFill>
+              </a:rPr>
+              <a:t>cepteur</a:t>
+            </a:r>
+            <a:r>
+              <a:rPr lang="fr-BE" sz="1200" i="1" dirty="0">
+                <a:solidFill>
+                  <a:srgbClr val="FF0000"/>
+                </a:solidFill>
+              </a:rPr>
+              <a:t> commun  </a:t>
             </a:r>
           </a:p>
           <a:p>
@@ -15319,7 +15492,7 @@
         </p:blipFill>
         <p:spPr>
           <a:xfrm>
-            <a:off x="476250" y="1672290"/>
+            <a:off x="476250" y="1751088"/>
             <a:ext cx="1994456" cy="1350887"/>
           </a:xfrm>
           <a:prstGeom prst="rect">
@@ -15356,7 +15529,11 @@
           <a:lstStyle/>
           <a:p>
             <a:r>
-              <a:rPr lang="fr-BE" sz="1400" dirty="0"/>
+              <a:rPr lang="fr-BE" sz="1400" dirty="0">
+                <a:solidFill>
+                  <a:srgbClr val="0070C0"/>
+                </a:solidFill>
+              </a:rPr>
               <a:t>Article de référence</a:t>
             </a:r>
           </a:p>
@@ -15367,7 +15544,7 @@
             </a:r>
             <a:r>
               <a:rPr lang="fr-BE" sz="1100" dirty="0" err="1"/>
-              <a:t>Linnning</a:t>
+              <a:t>Linning</a:t>
             </a:r>
             <a:r>
               <a:rPr lang="fr-BE" sz="1100" dirty="0"/>
@@ -15841,7 +16018,7 @@
         <p:spPr>
           <a:xfrm>
             <a:off x="94297" y="261227"/>
-            <a:ext cx="4419599" cy="1754326"/>
+            <a:ext cx="4419599" cy="1508105"/>
           </a:xfrm>
           <a:prstGeom prst="rect">
             <a:avLst/>
@@ -15855,52 +16032,76 @@
           <a:lstStyle/>
           <a:p>
             <a:r>
-              <a:rPr lang="fr-BE" dirty="0"/>
+              <a:rPr lang="fr-BE" u="sng" dirty="0">
+                <a:solidFill>
+                  <a:srgbClr val="0070C0"/>
+                </a:solidFill>
+              </a:rPr>
               <a:t>Méthode des </a:t>
             </a:r>
             <a:r>
-              <a:rPr lang="fr-BE" dirty="0" err="1"/>
+              <a:rPr lang="fr-BE" u="sng" dirty="0" err="1">
+                <a:solidFill>
+                  <a:srgbClr val="0070C0"/>
+                </a:solidFill>
+              </a:rPr>
               <a:t>DCTFs</a:t>
             </a:r>
-            <a:endParaRPr lang="fr-BE" dirty="0"/>
-          </a:p>
-          <a:p>
-            <a:pPr marL="285750" indent="-285750">
-              <a:buFont typeface="Arial" panose="020B0604020202020204" pitchFamily="34" charset="0"/>
-              <a:buChar char="•"/>
-            </a:pPr>
             <a:r>
-              <a:rPr lang="fr-BE" dirty="0"/>
-              <a:t>Récupération des échantillons I/Q</a:t>
+              <a:rPr lang="fr-BE" u="sng" dirty="0">
+                <a:solidFill>
+                  <a:srgbClr val="0070C0"/>
+                </a:solidFill>
+              </a:rPr>
+              <a:t>:</a:t>
             </a:r>
           </a:p>
           <a:p>
             <a:pPr marL="285750" indent="-285750">
-              <a:buFont typeface="Arial" panose="020B0604020202020204" pitchFamily="34" charset="0"/>
-              <a:buChar char="•"/>
+              <a:buFont typeface="Wingdings" panose="05000000000000000000" pitchFamily="2" charset="2"/>
+              <a:buChar char="Ø"/>
             </a:pPr>
             <a:r>
-              <a:rPr lang="fr-BE" dirty="0"/>
+              <a:rPr lang="fr-BE" sz="1400" dirty="0"/>
+              <a:t>Récupération des échantillons I/Q du signal </a:t>
+            </a:r>
+            <a:r>
+              <a:rPr lang="fr-BE" sz="1400" dirty="0" err="1"/>
+              <a:t>modul</a:t>
+            </a:r>
+            <a:r>
+              <a:rPr lang="fr-FR" sz="1400" dirty="0"/>
+              <a:t>é</a:t>
+            </a:r>
+            <a:endParaRPr lang="fr-BE" sz="1400" dirty="0"/>
+          </a:p>
+          <a:p>
+            <a:pPr marL="285750" indent="-285750">
+              <a:buFont typeface="Wingdings" panose="05000000000000000000" pitchFamily="2" charset="2"/>
+              <a:buChar char="Ø"/>
+            </a:pPr>
+            <a:r>
+              <a:rPr lang="fr-BE" sz="1400" dirty="0"/>
               <a:t>Application d’une équation différentielle</a:t>
             </a:r>
           </a:p>
           <a:p>
             <a:pPr marL="285750" indent="-285750">
-              <a:buFont typeface="Arial" panose="020B0604020202020204" pitchFamily="34" charset="0"/>
-              <a:buChar char="•"/>
+              <a:buFont typeface="Wingdings" panose="05000000000000000000" pitchFamily="2" charset="2"/>
+              <a:buChar char="Ø"/>
             </a:pPr>
             <a:r>
-              <a:rPr lang="fr-BE" dirty="0"/>
+              <a:rPr lang="fr-BE" sz="1400" dirty="0"/>
               <a:t>Plot des données dans le plan complexe</a:t>
             </a:r>
           </a:p>
           <a:p>
             <a:pPr marL="285750" indent="-285750">
-              <a:buFont typeface="Arial" panose="020B0604020202020204" pitchFamily="34" charset="0"/>
-              <a:buChar char="•"/>
+              <a:buFont typeface="Wingdings" panose="05000000000000000000" pitchFamily="2" charset="2"/>
+              <a:buChar char="Ø"/>
             </a:pPr>
             <a:r>
-              <a:rPr lang="fr-BE" dirty="0"/>
+              <a:rPr lang="fr-BE" sz="1400" dirty="0"/>
               <a:t>Récupération du centre de la signature</a:t>
             </a:r>
           </a:p>
@@ -16791,7 +16992,7 @@
                   <a:schemeClr val="tx1"/>
                 </a:solidFill>
               </a:rPr>
-              <a:t>Matériel</a:t>
+              <a:t>Matériel </a:t>
             </a:r>
           </a:p>
         </p:txBody>
@@ -16813,7 +17014,7 @@
           </p:nvPr>
         </p:nvPicPr>
         <p:blipFill>
-          <a:blip r:embed="rId3" cstate="print">
+          <a:blip r:embed="rId4" cstate="print">
             <a:extLst>
               <a:ext uri="{28A0092B-C50C-407E-A947-70E740481C1C}">
                 <a14:useLocalDpi xmlns:a14="http://schemas.microsoft.com/office/drawing/2010/main" val="0"/>
@@ -16826,7 +17027,7 @@
         </p:blipFill>
         <p:spPr>
           <a:xfrm>
-            <a:off x="2969387" y="1162657"/>
+            <a:off x="3082231" y="1369616"/>
             <a:ext cx="1127819" cy="1503759"/>
           </a:xfrm>
         </p:spPr>
@@ -16848,7 +17049,7 @@
           </p:nvPr>
         </p:nvPicPr>
         <p:blipFill>
-          <a:blip r:embed="rId4" cstate="print">
+          <a:blip r:embed="rId5" cstate="print">
             <a:extLst>
               <a:ext uri="{28A0092B-C50C-407E-A947-70E740481C1C}">
                 <a14:useLocalDpi xmlns:a14="http://schemas.microsoft.com/office/drawing/2010/main" val="0"/>
@@ -16861,7 +17062,7 @@
         </p:blipFill>
         <p:spPr>
           <a:xfrm>
-            <a:off x="370994" y="1162658"/>
+            <a:off x="370994" y="1369616"/>
             <a:ext cx="1972806" cy="1503759"/>
           </a:xfrm>
         </p:spPr>
@@ -16877,6 +17078,10 @@
           </p:nvPr>
         </p:nvSpPr>
         <p:spPr>
+          <a:xfrm>
+            <a:off x="361937" y="3330575"/>
+            <a:ext cx="659130" cy="137160"/>
+          </a:xfrm>
           <a:prstGeom prst="rect">
             <a:avLst/>
           </a:prstGeom>
@@ -17005,8 +17210,8 @@
         </p:nvSpPr>
         <p:spPr>
           <a:xfrm>
-            <a:off x="618324" y="884557"/>
-            <a:ext cx="1802416" cy="307777"/>
+            <a:off x="204978" y="884557"/>
+            <a:ext cx="2215762" cy="523220"/>
           </a:xfrm>
           <a:prstGeom prst="rect">
             <a:avLst/>
@@ -17019,6 +17224,18 @@
           </a:bodyPr>
           <a:lstStyle/>
           <a:p>
+            <a:pPr algn="ctr"/>
+            <a:r>
+              <a:rPr lang="fr-BE" sz="1400" u="sng" dirty="0">
+                <a:solidFill>
+                  <a:srgbClr val="0070C0"/>
+                </a:solidFill>
+              </a:rPr>
+              <a:t>Emetteurs </a:t>
+            </a:r>
+          </a:p>
+          <a:p>
+            <a:pPr algn="ctr"/>
             <a:r>
               <a:rPr lang="fr-BE" sz="1400" dirty="0"/>
               <a:t>Module RN2483</a:t>
@@ -17041,7 +17258,7 @@
         <p:spPr>
           <a:xfrm>
             <a:off x="2881122" y="894688"/>
-            <a:ext cx="1524000" cy="307777"/>
+            <a:ext cx="1524000" cy="523220"/>
           </a:xfrm>
           <a:prstGeom prst="rect">
             <a:avLst/>
@@ -17054,6 +17271,39 @@
           </a:bodyPr>
           <a:lstStyle/>
           <a:p>
+            <a:pPr algn="ctr"/>
+            <a:r>
+              <a:rPr lang="fr-BE" sz="1400" u="sng" dirty="0">
+                <a:solidFill>
+                  <a:srgbClr val="0070C0"/>
+                </a:solidFill>
+              </a:rPr>
+              <a:t>R</a:t>
+            </a:r>
+            <a:r>
+              <a:rPr lang="fr-FR" sz="1400" u="sng" dirty="0">
+                <a:solidFill>
+                  <a:srgbClr val="0070C0"/>
+                </a:solidFill>
+              </a:rPr>
+              <a:t>é</a:t>
+            </a:r>
+            <a:r>
+              <a:rPr lang="en-US" sz="1400" u="sng" dirty="0" err="1">
+                <a:solidFill>
+                  <a:srgbClr val="0070C0"/>
+                </a:solidFill>
+              </a:rPr>
+              <a:t>cepteur</a:t>
+            </a:r>
+            <a:endParaRPr lang="en-US" sz="1400" u="sng" dirty="0">
+              <a:solidFill>
+                <a:srgbClr val="0070C0"/>
+              </a:solidFill>
+            </a:endParaRPr>
+          </a:p>
+          <a:p>
+            <a:pPr algn="ctr"/>
             <a:r>
               <a:rPr lang="fr-BE" sz="1400" dirty="0"/>
               <a:t>RTL-SDR R820T2</a:t>
@@ -17380,214 +17630,6 @@
       </p:grpSp>
       <p:sp>
         <p:nvSpPr>
-          <p:cNvPr id="6" name="Titre 5">
-            <a:extLst>
-              <a:ext uri="{FF2B5EF4-FFF2-40B4-BE49-F238E27FC236}">
-                <a16:creationId xmlns:a16="http://schemas.microsoft.com/office/drawing/2014/main" id="{96FAB7BA-EDC6-471E-BEEF-16A4C7043C55}"/>
-              </a:ext>
-            </a:extLst>
-          </p:cNvPr>
-          <p:cNvSpPr>
-            <a:spLocks noGrp="1"/>
-          </p:cNvSpPr>
-          <p:nvPr>
-            <p:ph type="title"/>
-          </p:nvPr>
-        </p:nvSpPr>
-        <p:spPr/>
-        <p:txBody>
-          <a:bodyPr/>
-          <a:lstStyle/>
-          <a:p>
-            <a:pPr algn="l"/>
-            <a:br>
-              <a:rPr lang="fr-BE" sz="1800" dirty="0">
-                <a:solidFill>
-                  <a:schemeClr val="tx1"/>
-                </a:solidFill>
-              </a:rPr>
-            </a:br>
-            <a:endParaRPr lang="fr-BE" sz="1800" dirty="0">
-              <a:solidFill>
-                <a:schemeClr val="tx1"/>
-              </a:solidFill>
-            </a:endParaRPr>
-          </a:p>
-        </p:txBody>
-      </p:sp>
-      <p:sp>
-        <p:nvSpPr>
-          <p:cNvPr id="11" name="Espace réservé du contenu 10">
-            <a:extLst>
-              <a:ext uri="{FF2B5EF4-FFF2-40B4-BE49-F238E27FC236}">
-                <a16:creationId xmlns:a16="http://schemas.microsoft.com/office/drawing/2014/main" id="{D8A08C42-E65B-CD62-6D81-0847A4296BD6}"/>
-              </a:ext>
-            </a:extLst>
-          </p:cNvPr>
-          <p:cNvSpPr>
-            <a:spLocks noGrp="1"/>
-          </p:cNvSpPr>
-          <p:nvPr>
-            <p:ph sz="half" idx="2"/>
-          </p:nvPr>
-        </p:nvSpPr>
-        <p:spPr>
-          <a:xfrm>
-            <a:off x="379710" y="981577"/>
-            <a:ext cx="2005393" cy="1538883"/>
-          </a:xfrm>
-        </p:spPr>
-        <p:txBody>
-          <a:bodyPr/>
-          <a:lstStyle/>
-          <a:p>
-            <a:r>
-              <a:rPr lang="fr-BE" sz="1600" dirty="0"/>
-              <a:t>Émetteur:</a:t>
-            </a:r>
-          </a:p>
-          <a:p>
-            <a:pPr marL="285750" indent="-285750">
-              <a:buFont typeface="Arial" panose="020B0604020202020204" pitchFamily="34" charset="0"/>
-              <a:buChar char="•"/>
-            </a:pPr>
-            <a:r>
-              <a:rPr lang="fr-BE" sz="1400" dirty="0"/>
-              <a:t>Fréquence</a:t>
-            </a:r>
-          </a:p>
-          <a:p>
-            <a:pPr marL="285750" indent="-285750">
-              <a:buFont typeface="Arial" panose="020B0604020202020204" pitchFamily="34" charset="0"/>
-              <a:buChar char="•"/>
-            </a:pPr>
-            <a:r>
-              <a:rPr lang="fr-BE" sz="1400" dirty="0"/>
-              <a:t>Modulation</a:t>
-            </a:r>
-          </a:p>
-          <a:p>
-            <a:pPr marL="285750" indent="-285750">
-              <a:buFont typeface="Arial" panose="020B0604020202020204" pitchFamily="34" charset="0"/>
-              <a:buChar char="•"/>
-            </a:pPr>
-            <a:r>
-              <a:rPr lang="fr-BE" sz="1400" dirty="0" err="1"/>
-              <a:t>Spreading</a:t>
-            </a:r>
-            <a:r>
-              <a:rPr lang="fr-BE" sz="1400" dirty="0"/>
-              <a:t> factor</a:t>
-            </a:r>
-          </a:p>
-          <a:p>
-            <a:pPr marL="285750" indent="-285750">
-              <a:buFont typeface="Arial" panose="020B0604020202020204" pitchFamily="34" charset="0"/>
-              <a:buChar char="•"/>
-            </a:pPr>
-            <a:r>
-              <a:rPr lang="fr-BE" sz="1400" dirty="0"/>
-              <a:t>Largeur de bande</a:t>
-            </a:r>
-          </a:p>
-          <a:p>
-            <a:pPr marL="285750" indent="-285750">
-              <a:buFont typeface="Arial" panose="020B0604020202020204" pitchFamily="34" charset="0"/>
-              <a:buChar char="•"/>
-            </a:pPr>
-            <a:r>
-              <a:rPr lang="fr-BE" sz="1400" dirty="0"/>
-              <a:t>Puissance</a:t>
-            </a:r>
-          </a:p>
-          <a:p>
-            <a:pPr marL="285750" indent="-285750">
-              <a:buFont typeface="Arial" panose="020B0604020202020204" pitchFamily="34" charset="0"/>
-              <a:buChar char="•"/>
-            </a:pPr>
-            <a:r>
-              <a:rPr lang="fr-BE" sz="1400" dirty="0"/>
-              <a:t>Coding rate</a:t>
-            </a:r>
-          </a:p>
-        </p:txBody>
-      </p:sp>
-      <p:sp>
-        <p:nvSpPr>
-          <p:cNvPr id="12" name="Espace réservé du contenu 11">
-            <a:extLst>
-              <a:ext uri="{FF2B5EF4-FFF2-40B4-BE49-F238E27FC236}">
-                <a16:creationId xmlns:a16="http://schemas.microsoft.com/office/drawing/2014/main" id="{B08B3855-B6B1-B611-0C54-8C370ED3D787}"/>
-              </a:ext>
-            </a:extLst>
-          </p:cNvPr>
-          <p:cNvSpPr>
-            <a:spLocks noGrp="1"/>
-          </p:cNvSpPr>
-          <p:nvPr>
-            <p:ph sz="half" idx="3"/>
-          </p:nvPr>
-        </p:nvSpPr>
-        <p:spPr>
-          <a:xfrm>
-            <a:off x="2750561" y="981577"/>
-            <a:ext cx="1302449" cy="1200329"/>
-          </a:xfrm>
-        </p:spPr>
-        <p:txBody>
-          <a:bodyPr/>
-          <a:lstStyle/>
-          <a:p>
-            <a:r>
-              <a:rPr lang="fr-BE" sz="1600" dirty="0"/>
-              <a:t>Récepteur:</a:t>
-            </a:r>
-          </a:p>
-          <a:p>
-            <a:pPr marL="285750" indent="-285750">
-              <a:buFont typeface="Arial" panose="020B0604020202020204" pitchFamily="34" charset="0"/>
-              <a:buChar char="•"/>
-            </a:pPr>
-            <a:r>
-              <a:rPr lang="fr-BE" sz="1400" dirty="0"/>
-              <a:t>Fréquence</a:t>
-            </a:r>
-          </a:p>
-          <a:p>
-            <a:pPr marL="285750" indent="-285750">
-              <a:buFont typeface="Arial" panose="020B0604020202020204" pitchFamily="34" charset="0"/>
-              <a:buChar char="•"/>
-            </a:pPr>
-            <a:r>
-              <a:rPr lang="fr-BE" sz="1400" dirty="0" err="1"/>
-              <a:t>Sample</a:t>
-            </a:r>
-            <a:r>
-              <a:rPr lang="fr-BE" sz="1400" dirty="0"/>
-              <a:t> rate</a:t>
-            </a:r>
-          </a:p>
-          <a:p>
-            <a:pPr marL="285750" indent="-285750">
-              <a:buFont typeface="Arial" panose="020B0604020202020204" pitchFamily="34" charset="0"/>
-              <a:buChar char="•"/>
-            </a:pPr>
-            <a:r>
-              <a:rPr lang="fr-BE" sz="1400" dirty="0"/>
-              <a:t>Gain</a:t>
-            </a:r>
-          </a:p>
-          <a:p>
-            <a:pPr marL="285750" indent="-285750">
-              <a:buFont typeface="Arial" panose="020B0604020202020204" pitchFamily="34" charset="0"/>
-              <a:buChar char="•"/>
-            </a:pPr>
-            <a:endParaRPr lang="fr-BE" dirty="0"/>
-          </a:p>
-        </p:txBody>
-      </p:sp>
-      <p:sp>
-        <p:nvSpPr>
           <p:cNvPr id="35" name="object 35"/>
           <p:cNvSpPr txBox="1">
             <a:spLocks noGrp="1"/>
@@ -17641,7 +17683,7 @@
         </p:nvSpPr>
         <p:spPr>
           <a:xfrm>
-            <a:off x="3527604" y="3332268"/>
+            <a:off x="3534735" y="3338389"/>
             <a:ext cx="1060323" cy="173037"/>
           </a:xfrm>
         </p:spPr>
@@ -17662,6 +17704,173 @@
                 <a:schemeClr val="bg1"/>
               </a:solidFill>
             </a:endParaRPr>
+          </a:p>
+        </p:txBody>
+      </p:sp>
+      <p:sp>
+        <p:nvSpPr>
+          <p:cNvPr id="6" name="Titre 5">
+            <a:extLst>
+              <a:ext uri="{FF2B5EF4-FFF2-40B4-BE49-F238E27FC236}">
+                <a16:creationId xmlns:a16="http://schemas.microsoft.com/office/drawing/2014/main" id="{96FAB7BA-EDC6-471E-BEEF-16A4C7043C55}"/>
+              </a:ext>
+            </a:extLst>
+          </p:cNvPr>
+          <p:cNvSpPr>
+            <a:spLocks noGrp="1"/>
+          </p:cNvSpPr>
+          <p:nvPr>
+            <p:ph type="title" idx="4294967295"/>
+          </p:nvPr>
+        </p:nvSpPr>
+        <p:spPr>
+          <a:xfrm>
+            <a:off x="0" y="433388"/>
+            <a:ext cx="3371850" cy="508000"/>
+          </a:xfrm>
+        </p:spPr>
+        <p:txBody>
+          <a:bodyPr/>
+          <a:lstStyle/>
+          <a:p>
+            <a:pPr algn="l"/>
+            <a:br>
+              <a:rPr lang="fr-BE" sz="1800" dirty="0">
+                <a:solidFill>
+                  <a:schemeClr val="tx1"/>
+                </a:solidFill>
+              </a:rPr>
+            </a:br>
+            <a:endParaRPr lang="fr-BE" sz="1800" dirty="0">
+              <a:solidFill>
+                <a:schemeClr val="tx1"/>
+              </a:solidFill>
+            </a:endParaRPr>
+          </a:p>
+        </p:txBody>
+      </p:sp>
+      <p:sp>
+        <p:nvSpPr>
+          <p:cNvPr id="11" name="Espace réservé du contenu 10">
+            <a:extLst>
+              <a:ext uri="{FF2B5EF4-FFF2-40B4-BE49-F238E27FC236}">
+                <a16:creationId xmlns:a16="http://schemas.microsoft.com/office/drawing/2014/main" id="{D8A08C42-E65B-CD62-6D81-0847A4296BD6}"/>
+              </a:ext>
+            </a:extLst>
+          </p:cNvPr>
+          <p:cNvSpPr>
+            <a:spLocks noGrp="1"/>
+          </p:cNvSpPr>
+          <p:nvPr>
+            <p:ph sz="half" idx="4294967295"/>
+          </p:nvPr>
+        </p:nvSpPr>
+        <p:spPr>
+          <a:xfrm>
+            <a:off x="185873" y="955633"/>
+            <a:ext cx="2005013" cy="1692275"/>
+          </a:xfrm>
+        </p:spPr>
+        <p:txBody>
+          <a:bodyPr/>
+          <a:lstStyle/>
+          <a:p>
+            <a:r>
+              <a:rPr lang="fr-BE" sz="1400" u="sng" dirty="0">
+                <a:solidFill>
+                  <a:srgbClr val="0070C0"/>
+                </a:solidFill>
+              </a:rPr>
+              <a:t>Émetteur/récepteur:</a:t>
+            </a:r>
+          </a:p>
+          <a:p>
+            <a:pPr marL="285750" indent="-285750">
+              <a:buFont typeface="Wingdings" panose="05000000000000000000" pitchFamily="2" charset="2"/>
+              <a:buChar char="Ø"/>
+            </a:pPr>
+            <a:r>
+              <a:rPr lang="fr-BE" sz="1200" dirty="0"/>
+              <a:t>Fréquence</a:t>
+            </a:r>
+          </a:p>
+          <a:p>
+            <a:pPr marL="285750" indent="-285750">
+              <a:buFont typeface="Wingdings" panose="05000000000000000000" pitchFamily="2" charset="2"/>
+              <a:buChar char="Ø"/>
+            </a:pPr>
+            <a:r>
+              <a:rPr lang="fr-BE" sz="1200" dirty="0"/>
+              <a:t>Modulation</a:t>
+            </a:r>
+          </a:p>
+          <a:p>
+            <a:pPr marL="285750" indent="-285750">
+              <a:buFont typeface="Wingdings" panose="05000000000000000000" pitchFamily="2" charset="2"/>
+              <a:buChar char="Ø"/>
+            </a:pPr>
+            <a:r>
+              <a:rPr lang="fr-BE" sz="1200" dirty="0" err="1"/>
+              <a:t>Spreading</a:t>
+            </a:r>
+            <a:r>
+              <a:rPr lang="fr-BE" sz="1200" dirty="0"/>
+              <a:t> factor</a:t>
+            </a:r>
+          </a:p>
+          <a:p>
+            <a:pPr marL="285750" indent="-285750">
+              <a:buFont typeface="Wingdings" panose="05000000000000000000" pitchFamily="2" charset="2"/>
+              <a:buChar char="Ø"/>
+            </a:pPr>
+            <a:r>
+              <a:rPr lang="fr-BE" sz="1200" dirty="0"/>
+              <a:t>Largeur de bande</a:t>
+            </a:r>
+          </a:p>
+          <a:p>
+            <a:pPr marL="285750" indent="-285750">
+              <a:buFont typeface="Wingdings" panose="05000000000000000000" pitchFamily="2" charset="2"/>
+              <a:buChar char="Ø"/>
+            </a:pPr>
+            <a:r>
+              <a:rPr lang="fr-BE" sz="1200" dirty="0"/>
+              <a:t>Puissance</a:t>
+            </a:r>
+          </a:p>
+          <a:p>
+            <a:pPr marL="285750" indent="-285750">
+              <a:buFont typeface="Wingdings" panose="05000000000000000000" pitchFamily="2" charset="2"/>
+              <a:buChar char="Ø"/>
+            </a:pPr>
+            <a:r>
+              <a:rPr lang="fr-BE" sz="1200" dirty="0"/>
+              <a:t>Coding rate</a:t>
+            </a:r>
+          </a:p>
+          <a:p>
+            <a:pPr marL="285750" indent="-285750">
+              <a:buFont typeface="Wingdings" panose="05000000000000000000" pitchFamily="2" charset="2"/>
+              <a:buChar char="Ø"/>
+            </a:pPr>
+            <a:r>
+              <a:rPr lang="fr-BE" sz="1200" dirty="0" err="1"/>
+              <a:t>Sample</a:t>
+            </a:r>
+            <a:r>
+              <a:rPr lang="fr-BE" sz="1200" dirty="0"/>
+              <a:t> rate</a:t>
+            </a:r>
+          </a:p>
+          <a:p>
+            <a:pPr marL="285750" indent="-285750">
+              <a:buFont typeface="Wingdings" panose="05000000000000000000" pitchFamily="2" charset="2"/>
+              <a:buChar char="Ø"/>
+            </a:pPr>
+            <a:r>
+              <a:rPr lang="fr-BE" sz="1200" dirty="0"/>
+              <a:t>Gain</a:t>
+            </a:r>
           </a:p>
         </p:txBody>
       </p:sp>
@@ -17725,7 +17934,7 @@
         </p:nvSpPr>
         <p:spPr>
           <a:xfrm>
-            <a:off x="200837" y="390067"/>
+            <a:off x="200837" y="218043"/>
             <a:ext cx="3848113" cy="369332"/>
           </a:xfrm>
           <a:prstGeom prst="rect">
@@ -17744,6 +17953,163 @@
               <a:rPr lang="fr-BE" dirty="0"/>
               <a:t>Configuration</a:t>
             </a:r>
+          </a:p>
+        </p:txBody>
+      </p:sp>
+      <p:sp>
+        <p:nvSpPr>
+          <p:cNvPr id="7" name="TextBox 6">
+            <a:extLst>
+              <a:ext uri="{FF2B5EF4-FFF2-40B4-BE49-F238E27FC236}">
+                <a16:creationId xmlns:a16="http://schemas.microsoft.com/office/drawing/2014/main" id="{58EE2F02-88E4-1C38-D09A-20DB72640FC8}"/>
+              </a:ext>
+            </a:extLst>
+          </p:cNvPr>
+          <p:cNvSpPr txBox="1"/>
+          <p:nvPr/>
+        </p:nvSpPr>
+        <p:spPr>
+          <a:xfrm>
+            <a:off x="1162050" y="919761"/>
+            <a:ext cx="3962400" cy="1600438"/>
+          </a:xfrm>
+          <a:prstGeom prst="rect">
+            <a:avLst/>
+          </a:prstGeom>
+          <a:noFill/>
+        </p:spPr>
+        <p:txBody>
+          <a:bodyPr wrap="square" rtlCol="0">
+            <a:spAutoFit/>
+          </a:bodyPr>
+          <a:lstStyle/>
+          <a:p>
+            <a:pPr algn="ctr"/>
+            <a:r>
+              <a:rPr lang="en-US" sz="1400" u="sng" dirty="0">
+                <a:solidFill>
+                  <a:srgbClr val="0070C0"/>
+                </a:solidFill>
+              </a:rPr>
+              <a:t>D</a:t>
+            </a:r>
+            <a:r>
+              <a:rPr lang="fr-FR" sz="1400" u="sng" dirty="0">
+                <a:solidFill>
+                  <a:srgbClr val="0070C0"/>
+                </a:solidFill>
+              </a:rPr>
+              <a:t>é</a:t>
+            </a:r>
+            <a:r>
+              <a:rPr lang="en-US" sz="1400" u="sng" dirty="0" err="1">
+                <a:solidFill>
+                  <a:srgbClr val="0070C0"/>
+                </a:solidFill>
+              </a:rPr>
+              <a:t>veloppement</a:t>
+            </a:r>
+            <a:r>
+              <a:rPr lang="en-US" sz="1400" u="sng" dirty="0">
+                <a:solidFill>
+                  <a:srgbClr val="0070C0"/>
+                </a:solidFill>
+              </a:rPr>
+              <a:t> Python:</a:t>
+            </a:r>
+          </a:p>
+          <a:p>
+            <a:pPr marL="1200150" lvl="2" indent="-285750">
+              <a:buFont typeface="Wingdings" panose="05000000000000000000" pitchFamily="2" charset="2"/>
+              <a:buChar char="Ø"/>
+            </a:pPr>
+            <a:r>
+              <a:rPr lang="en-US" sz="1200" dirty="0" err="1"/>
+              <a:t>Génération</a:t>
+            </a:r>
+            <a:r>
+              <a:rPr lang="en-US" sz="1200" dirty="0"/>
+              <a:t> du signal</a:t>
+            </a:r>
+          </a:p>
+          <a:p>
+            <a:pPr marL="1200150" lvl="2" indent="-285750">
+              <a:buFont typeface="Wingdings" panose="05000000000000000000" pitchFamily="2" charset="2"/>
+              <a:buChar char="Ø"/>
+            </a:pPr>
+            <a:r>
+              <a:rPr lang="en-US" sz="1200" dirty="0" err="1"/>
+              <a:t>Réception</a:t>
+            </a:r>
+            <a:r>
+              <a:rPr lang="en-US" sz="1200" dirty="0"/>
+              <a:t> du signal</a:t>
+            </a:r>
+          </a:p>
+          <a:p>
+            <a:pPr marL="1200150" lvl="2" indent="-285750">
+              <a:buFont typeface="Wingdings" panose="05000000000000000000" pitchFamily="2" charset="2"/>
+              <a:buChar char="Ø"/>
+            </a:pPr>
+            <a:r>
+              <a:rPr lang="en-US" sz="1200" dirty="0" err="1"/>
+              <a:t>Automatisation</a:t>
+            </a:r>
+            <a:endParaRPr lang="en-US" sz="1200" dirty="0"/>
+          </a:p>
+          <a:p>
+            <a:pPr marL="1200150" lvl="2" indent="-285750">
+              <a:buFont typeface="Wingdings" panose="05000000000000000000" pitchFamily="2" charset="2"/>
+              <a:buChar char="Ø"/>
+            </a:pPr>
+            <a:r>
+              <a:rPr lang="en-US" sz="1200" dirty="0"/>
+              <a:t>Digital Signal Processing</a:t>
+            </a:r>
+          </a:p>
+          <a:p>
+            <a:pPr marL="1200150" lvl="2" indent="-285750">
+              <a:buFont typeface="Wingdings" panose="05000000000000000000" pitchFamily="2" charset="2"/>
+              <a:buChar char="Ø"/>
+            </a:pPr>
+            <a:r>
+              <a:rPr lang="en-US" sz="1200" dirty="0" err="1"/>
+              <a:t>Génération</a:t>
+            </a:r>
+            <a:r>
+              <a:rPr lang="en-US" sz="1200" dirty="0"/>
+              <a:t> des </a:t>
+            </a:r>
+            <a:r>
+              <a:rPr lang="en-US" sz="1200" dirty="0" err="1"/>
+              <a:t>diagrammes</a:t>
+            </a:r>
+            <a:endParaRPr lang="en-US" sz="1200" dirty="0"/>
+          </a:p>
+          <a:p>
+            <a:pPr marL="1200150" lvl="2" indent="-285750">
+              <a:buFont typeface="Wingdings" panose="05000000000000000000" pitchFamily="2" charset="2"/>
+              <a:buChar char="Ø"/>
+            </a:pPr>
+            <a:r>
+              <a:rPr lang="en-US" sz="1200" dirty="0"/>
+              <a:t>Application de la </a:t>
+            </a:r>
+            <a:r>
+              <a:rPr lang="en-US" sz="1200" dirty="0" err="1"/>
+              <a:t>méthode</a:t>
+            </a:r>
+            <a:r>
+              <a:rPr lang="en-US" sz="1200" dirty="0"/>
+              <a:t> DCTF </a:t>
+            </a:r>
+          </a:p>
+          <a:p>
+            <a:pPr marL="285750" indent="-285750">
+              <a:buFont typeface="Arial" panose="020B0604020202020204" pitchFamily="34" charset="0"/>
+              <a:buChar char="•"/>
+            </a:pPr>
+            <a:endParaRPr lang="en-US" sz="1200" dirty="0"/>
           </a:p>
         </p:txBody>
       </p:sp>
@@ -18310,8 +18676,8 @@
         </p:nvSpPr>
         <p:spPr>
           <a:xfrm>
-            <a:off x="358176" y="352352"/>
-            <a:ext cx="3848113" cy="369332"/>
+            <a:off x="247650" y="352352"/>
+            <a:ext cx="4191000" cy="369332"/>
           </a:xfrm>
           <a:prstGeom prst="rect">
             <a:avLst/>
@@ -18327,7 +18693,7 @@
             <a:pPr algn="ctr"/>
             <a:r>
               <a:rPr lang="fr-BE" dirty="0"/>
-              <a:t>Résultats pour un échantillon</a:t>
+              <a:t>Résultats pour la capture d’un signal LoRa</a:t>
             </a:r>
           </a:p>
         </p:txBody>
@@ -18831,7 +19197,7 @@
         <p:spPr>
           <a:xfrm>
             <a:off x="354754" y="366395"/>
-            <a:ext cx="3848113" cy="369332"/>
+            <a:ext cx="4083896" cy="369332"/>
           </a:xfrm>
           <a:prstGeom prst="rect">
             <a:avLst/>
@@ -18847,7 +19213,7 @@
             <a:pPr algn="ctr"/>
             <a:r>
               <a:rPr lang="fr-BE" dirty="0"/>
-              <a:t>Résultats pour 25 échantillons</a:t>
+              <a:t>Centres des signatures (25 captures)</a:t>
             </a:r>
           </a:p>
         </p:txBody>
@@ -19423,7 +19789,7 @@
           <p:nvPr>
             <p:extLst>
               <p:ext uri="{D42A27DB-BD31-4B8C-83A1-F6EECF244321}">
-                <p14:modId xmlns:p14="http://schemas.microsoft.com/office/powerpoint/2010/main" val="2214929294"/>
+                <p14:modId xmlns:p14="http://schemas.microsoft.com/office/powerpoint/2010/main" val="1587280615"/>
               </p:ext>
             </p:extLst>
           </p:nvPr>
@@ -21392,7 +21758,11 @@
           <a:p>
             <a:pPr algn="ctr"/>
             <a:r>
-              <a:rPr lang="fr-BE" sz="2000" dirty="0"/>
+              <a:rPr lang="fr-BE" sz="2000" b="1" u="sng" dirty="0">
+                <a:solidFill>
+                  <a:srgbClr val="0070C0"/>
+                </a:solidFill>
+              </a:rPr>
               <a:t>Conclusion</a:t>
             </a:r>
           </a:p>
@@ -21413,7 +21783,7 @@
         <p:spPr>
           <a:xfrm>
             <a:off x="476249" y="968375"/>
-            <a:ext cx="3848113" cy="1477328"/>
+            <a:ext cx="3848113" cy="1815882"/>
           </a:xfrm>
           <a:prstGeom prst="rect">
             <a:avLst/>
@@ -21427,12 +21797,12 @@
           <a:lstStyle/>
           <a:p>
             <a:pPr marL="285750" indent="-285750">
-              <a:buFont typeface="Arial" panose="020B0604020202020204" pitchFamily="34" charset="0"/>
-              <a:buChar char="•"/>
+              <a:buFont typeface="Wingdings" panose="05000000000000000000" pitchFamily="2" charset="2"/>
+              <a:buChar char="Ø"/>
             </a:pPr>
             <a:r>
-              <a:rPr lang="fr-BE" dirty="0"/>
-              <a:t>RFFI possible ? Oui</a:t>
+              <a:rPr lang="fr-BE" sz="1600" dirty="0"/>
+              <a:t>L’identification des nœuds via le traitement de leur signature RF (RFFI) possible  </a:t>
             </a:r>
           </a:p>
           <a:p>
@@ -21440,19 +21810,48 @@
               <a:buFont typeface="Arial" panose="020B0604020202020204" pitchFamily="34" charset="0"/>
               <a:buChar char="•"/>
             </a:pPr>
-            <a:r>
-              <a:rPr lang="fr-BE" dirty="0"/>
-              <a:t>RFFI Selon la position géographique de la signature</a:t>
-            </a:r>
+            <a:endParaRPr lang="fr-BE" sz="1600" dirty="0"/>
           </a:p>
           <a:p>
             <a:pPr marL="285750" indent="-285750">
-              <a:buFont typeface="Arial" panose="020B0604020202020204" pitchFamily="34" charset="0"/>
-              <a:buChar char="•"/>
+              <a:buFont typeface="Wingdings" panose="05000000000000000000" pitchFamily="2" charset="2"/>
+              <a:buChar char="Ø"/>
             </a:pPr>
             <a:r>
-              <a:rPr lang="fr-BE" dirty="0"/>
-              <a:t>RFFI selon la forme géométrique de la signature</a:t>
+              <a:rPr lang="fr-BE" sz="1600" dirty="0"/>
+              <a:t>Les résultats </a:t>
+            </a:r>
+            <a:r>
+              <a:rPr lang="fr-BE" sz="1600" dirty="0" err="1"/>
+              <a:t>sugg</a:t>
+            </a:r>
+            <a:r>
+              <a:rPr lang="en-US" sz="1600" dirty="0"/>
+              <a:t>è</a:t>
+            </a:r>
+            <a:r>
+              <a:rPr lang="fr-BE" sz="1600" dirty="0" err="1"/>
+              <a:t>rent</a:t>
+            </a:r>
+            <a:r>
+              <a:rPr lang="fr-BE" sz="1600" dirty="0"/>
+              <a:t> une indentification selon la forme géométrique </a:t>
+            </a:r>
+            <a:r>
+              <a:rPr lang="fr-BE" sz="1600" dirty="0" err="1"/>
+              <a:t>sp</a:t>
+            </a:r>
+            <a:r>
+              <a:rPr lang="fr-FR" sz="1600" dirty="0"/>
+              <a:t>é</a:t>
+            </a:r>
+            <a:r>
+              <a:rPr lang="fr-BE" sz="1600" dirty="0" err="1"/>
+              <a:t>cifique</a:t>
+            </a:r>
+            <a:r>
+              <a:rPr lang="fr-BE" sz="1600" dirty="0"/>
+              <a:t> de la signature</a:t>
             </a:r>
           </a:p>
         </p:txBody>
@@ -22676,7 +23075,7 @@
         <p:spPr>
           <a:xfrm>
             <a:off x="247650" y="587375"/>
-            <a:ext cx="4114800" cy="2031325"/>
+            <a:ext cx="4114800" cy="2123658"/>
           </a:xfrm>
           <a:prstGeom prst="rect">
             <a:avLst/>
@@ -22696,32 +23095,94 @@
           </a:p>
           <a:p>
             <a:pPr marL="285750" indent="-285750">
-              <a:buFont typeface="Arial" panose="020B0604020202020204" pitchFamily="34" charset="0"/>
-              <a:buChar char="•"/>
+              <a:buFont typeface="Wingdings" panose="05000000000000000000" pitchFamily="2" charset="2"/>
+              <a:buChar char="Ø"/>
             </a:pPr>
             <a:r>
-              <a:rPr lang="fr-BE" dirty="0"/>
-              <a:t>menaces de sécurité de plus en plus sophistiquées</a:t>
+              <a:rPr lang="fr-BE" sz="1600" dirty="0"/>
+              <a:t>Expansion de l’Internet of </a:t>
+            </a:r>
+            <a:r>
+              <a:rPr lang="fr-BE" sz="1600" dirty="0" err="1"/>
+              <a:t>Things</a:t>
+            </a:r>
+            <a:r>
+              <a:rPr lang="fr-BE" sz="1600" dirty="0"/>
+              <a:t> (IoT)</a:t>
             </a:r>
           </a:p>
           <a:p>
             <a:pPr marL="285750" indent="-285750">
-              <a:buFont typeface="Arial" panose="020B0604020202020204" pitchFamily="34" charset="0"/>
-              <a:buChar char="•"/>
+              <a:buFont typeface="Wingdings" panose="05000000000000000000" pitchFamily="2" charset="2"/>
+              <a:buChar char="Ø"/>
             </a:pPr>
             <a:r>
-              <a:rPr lang="fr-BE" dirty="0"/>
-              <a:t>plus possible d’uniquement se fier aux identifiant d’un appareil</a:t>
+              <a:rPr lang="fr-BE" sz="1600" dirty="0"/>
+              <a:t>Menaces de failles de sécurité de plus en plus sophistiquées</a:t>
             </a:r>
           </a:p>
           <a:p>
             <a:pPr marL="285750" indent="-285750">
-              <a:buFont typeface="Arial" panose="020B0604020202020204" pitchFamily="34" charset="0"/>
-              <a:buChar char="•"/>
+              <a:buFont typeface="Wingdings" panose="05000000000000000000" pitchFamily="2" charset="2"/>
+              <a:buChar char="Ø"/>
             </a:pPr>
             <a:r>
-              <a:rPr lang="fr-BE" dirty="0"/>
-              <a:t>Besoin d’une nouvelle approche basé sur les propriétés physiques</a:t>
+              <a:rPr lang="fr-BE" sz="1600" dirty="0"/>
+              <a:t>Plus possible d’uniquement se fier aux identifiant d’un appareil</a:t>
+            </a:r>
+          </a:p>
+          <a:p>
+            <a:pPr marL="285750" indent="-285750">
+              <a:buFont typeface="Wingdings" panose="05000000000000000000" pitchFamily="2" charset="2"/>
+              <a:buChar char="Ø"/>
+            </a:pPr>
+            <a:r>
+              <a:rPr lang="fr-BE" sz="1600" dirty="0"/>
+              <a:t>N</a:t>
+            </a:r>
+            <a:r>
+              <a:rPr lang="fr-FR" sz="1600" dirty="0"/>
+              <a:t>é</a:t>
+            </a:r>
+            <a:r>
+              <a:rPr lang="en-US" sz="1600" dirty="0" err="1"/>
+              <a:t>cessit</a:t>
+            </a:r>
+            <a:r>
+              <a:rPr lang="fr-FR" sz="1600" dirty="0"/>
+              <a:t>é</a:t>
+            </a:r>
+            <a:r>
+              <a:rPr lang="fr-BE" sz="1600" dirty="0"/>
+              <a:t> d’une nouvelle approche basée sur les </a:t>
+            </a:r>
+            <a:r>
+              <a:rPr lang="fr-BE" sz="1600" dirty="0" err="1"/>
+              <a:t>propri</a:t>
+            </a:r>
+            <a:r>
+              <a:rPr lang="fr-FR" sz="1600" dirty="0"/>
+              <a:t>étés</a:t>
+            </a:r>
+            <a:r>
+              <a:rPr lang="fr-BE" sz="1600" dirty="0"/>
+              <a:t> physiques des </a:t>
+            </a:r>
+            <a:r>
+              <a:rPr lang="fr-BE" sz="1600" dirty="0" err="1"/>
+              <a:t>sig</a:t>
+            </a:r>
+            <a:r>
+              <a:rPr lang="en-US" sz="1600" dirty="0" err="1"/>
+              <a:t>naux</a:t>
+            </a:r>
+            <a:r>
+              <a:rPr lang="en-US" sz="1600" dirty="0"/>
+              <a:t> RF</a:t>
+            </a:r>
+            <a:r>
+              <a:rPr lang="fr-BE" sz="1600" dirty="0"/>
+              <a:t>.</a:t>
             </a:r>
           </a:p>
         </p:txBody>
@@ -23183,7 +23644,7 @@
         <p:spPr>
           <a:xfrm>
             <a:off x="247650" y="587375"/>
-            <a:ext cx="4114800" cy="1477328"/>
+            <a:ext cx="4114800" cy="1754326"/>
           </a:xfrm>
           <a:prstGeom prst="rect">
             <a:avLst/>
@@ -23202,9 +23663,12 @@
             </a:r>
           </a:p>
           <a:p>
+            <a:endParaRPr lang="fr-BE" dirty="0"/>
+          </a:p>
+          <a:p>
             <a:pPr marL="285750" indent="-285750">
-              <a:buFont typeface="Arial" panose="020B0604020202020204" pitchFamily="34" charset="0"/>
-              <a:buChar char="•"/>
+              <a:buFont typeface="Wingdings" panose="05000000000000000000" pitchFamily="2" charset="2"/>
+              <a:buChar char="Ø"/>
             </a:pPr>
             <a:r>
               <a:rPr lang="fr-BE" dirty="0"/>
@@ -25043,7 +25507,7 @@
         <p:spPr>
           <a:xfrm>
             <a:off x="619277" y="432632"/>
-            <a:ext cx="3371545" cy="215444"/>
+            <a:ext cx="3371545" cy="276999"/>
           </a:xfrm>
         </p:spPr>
         <p:txBody>
@@ -25052,7 +25516,7 @@
           <a:p>
             <a:pPr algn="ctr"/>
             <a:r>
-              <a:rPr lang="fr-BE" dirty="0">
+              <a:rPr lang="fr-BE" sz="1800" dirty="0">
                 <a:solidFill>
                   <a:schemeClr val="tx1"/>
                 </a:solidFill>
@@ -25089,8 +25553,12 @@
           <a:lstStyle/>
           <a:p>
             <a:r>
-              <a:rPr lang="fr-BE" dirty="0"/>
-              <a:t>Over The Air Activation</a:t>
+              <a:rPr lang="fr-BE" sz="1600" u="sng" dirty="0">
+                <a:solidFill>
+                  <a:srgbClr val="0070C0"/>
+                </a:solidFill>
+              </a:rPr>
+              <a:t>Over the Air Activation</a:t>
             </a:r>
           </a:p>
           <a:p>
@@ -25098,8 +25566,8 @@
           </a:p>
           <a:p>
             <a:pPr marL="285750" indent="-285750">
-              <a:buFont typeface="Arial" panose="020B0604020202020204" pitchFamily="34" charset="0"/>
-              <a:buChar char="•"/>
+              <a:buFont typeface="Wingdings" panose="05000000000000000000" pitchFamily="2" charset="2"/>
+              <a:buChar char="Ø"/>
             </a:pPr>
             <a:r>
               <a:rPr lang="fr-BE" sz="1400" dirty="0" err="1"/>
@@ -25136,8 +25604,8 @@
           </a:p>
           <a:p>
             <a:pPr marL="285750" indent="-285750">
-              <a:buFont typeface="Arial" panose="020B0604020202020204" pitchFamily="34" charset="0"/>
-              <a:buChar char="•"/>
+              <a:buFont typeface="Wingdings" panose="05000000000000000000" pitchFamily="2" charset="2"/>
+              <a:buChar char="Ø"/>
             </a:pPr>
             <a:r>
               <a:rPr lang="fr-BE" sz="1400" dirty="0" err="1"/>
@@ -25182,8 +25650,8 @@
           </a:p>
           <a:p>
             <a:pPr marL="285750" indent="-285750">
-              <a:buFont typeface="Arial" panose="020B0604020202020204" pitchFamily="34" charset="0"/>
-              <a:buChar char="•"/>
+              <a:buFont typeface="Wingdings" panose="05000000000000000000" pitchFamily="2" charset="2"/>
+              <a:buChar char="Ø"/>
             </a:pPr>
             <a:r>
               <a:rPr lang="fr-BE" sz="1400" dirty="0"/>
@@ -25225,7 +25693,7 @@
         <p:spPr>
           <a:xfrm>
             <a:off x="2374202" y="928372"/>
-            <a:ext cx="2005393" cy="2062103"/>
+            <a:ext cx="2144591" cy="1785104"/>
           </a:xfrm>
         </p:spPr>
         <p:txBody>
@@ -25234,18 +25702,35 @@
           <a:p>
             <a:pPr algn="ctr"/>
             <a:r>
-              <a:rPr lang="fr-BE" dirty="0"/>
-              <a:t>Activation by personnalisation</a:t>
+              <a:rPr lang="fr-BE" sz="1600" u="sng" dirty="0">
+                <a:solidFill>
+                  <a:srgbClr val="0070C0"/>
+                </a:solidFill>
+              </a:rPr>
+              <a:t>Activation by </a:t>
             </a:r>
+            <a:r>
+              <a:rPr lang="fr-BE" sz="1600" u="sng" dirty="0" err="1">
+                <a:solidFill>
+                  <a:srgbClr val="0070C0"/>
+                </a:solidFill>
+              </a:rPr>
+              <a:t>Personalisation</a:t>
+            </a:r>
+            <a:endParaRPr lang="fr-BE" sz="1600" u="sng" dirty="0">
+              <a:solidFill>
+                <a:srgbClr val="0070C0"/>
+              </a:solidFill>
+            </a:endParaRPr>
           </a:p>
           <a:p>
             <a:pPr marL="285750" indent="-285750" algn="l">
-              <a:buFont typeface="Arial" panose="020B0604020202020204" pitchFamily="34" charset="0"/>
-              <a:buChar char="•"/>
+              <a:buFont typeface="Wingdings" panose="05000000000000000000" pitchFamily="2" charset="2"/>
+              <a:buChar char="Ø"/>
             </a:pPr>
             <a:r>
               <a:rPr lang="fr-BE" sz="1400" dirty="0"/>
-              <a:t>Adresse et clés </a:t>
+              <a:t>Adresses et clés </a:t>
             </a:r>
             <a:r>
               <a:rPr lang="fr-BE" sz="1400" dirty="0" err="1"/>
@@ -25255,8 +25740,8 @@
           </a:p>
           <a:p>
             <a:pPr marL="285750" indent="-285750" algn="l">
-              <a:buFont typeface="Arial" panose="020B0604020202020204" pitchFamily="34" charset="0"/>
-              <a:buChar char="•"/>
+              <a:buFont typeface="Wingdings" panose="05000000000000000000" pitchFamily="2" charset="2"/>
+              <a:buChar char="Ø"/>
             </a:pPr>
             <a:r>
               <a:rPr lang="fr-BE" sz="1400" dirty="0" err="1"/>
@@ -25264,13 +25749,13 @@
             </a:r>
             <a:r>
               <a:rPr lang="fr-BE" sz="1400" dirty="0"/>
-              <a:t> déployé en zone de couverture LoRaWAN</a:t>
+              <a:t> déployés en zone de couverture LoRaWAN</a:t>
             </a:r>
           </a:p>
           <a:p>
             <a:pPr marL="285750" indent="-285750" algn="l">
-              <a:buFont typeface="Arial" panose="020B0604020202020204" pitchFamily="34" charset="0"/>
-              <a:buChar char="•"/>
+              <a:buFont typeface="Wingdings" panose="05000000000000000000" pitchFamily="2" charset="2"/>
+              <a:buChar char="Ø"/>
             </a:pPr>
             <a:r>
               <a:rPr lang="fr-BE" sz="1400" dirty="0"/>
